--- a/SLEUTH + ZIPKIN.pptx
+++ b/SLEUTH + ZIPKIN.pptx
@@ -296,7 +296,7 @@
           <a:p>
             <a:fld id="{EDBB7085-0CFE-4968-9F0A-509F9696A641}" type="datetimeFigureOut">
               <a:rPr lang="en-GB" smtClean="0"/>
-              <a:t>08/06/2016</a:t>
+              <a:t>09/06/2016</a:t>
             </a:fld>
             <a:endParaRPr lang="en-GB"/>
           </a:p>
@@ -466,7 +466,7 @@
           <a:p>
             <a:fld id="{EDBB7085-0CFE-4968-9F0A-509F9696A641}" type="datetimeFigureOut">
               <a:rPr lang="en-GB" smtClean="0"/>
-              <a:t>08/06/2016</a:t>
+              <a:t>09/06/2016</a:t>
             </a:fld>
             <a:endParaRPr lang="en-GB"/>
           </a:p>
@@ -646,7 +646,7 @@
           <a:p>
             <a:fld id="{EDBB7085-0CFE-4968-9F0A-509F9696A641}" type="datetimeFigureOut">
               <a:rPr lang="en-GB" smtClean="0"/>
-              <a:t>08/06/2016</a:t>
+              <a:t>09/06/2016</a:t>
             </a:fld>
             <a:endParaRPr lang="en-GB"/>
           </a:p>
@@ -816,7 +816,7 @@
           <a:p>
             <a:fld id="{EDBB7085-0CFE-4968-9F0A-509F9696A641}" type="datetimeFigureOut">
               <a:rPr lang="en-GB" smtClean="0"/>
-              <a:t>08/06/2016</a:t>
+              <a:t>09/06/2016</a:t>
             </a:fld>
             <a:endParaRPr lang="en-GB"/>
           </a:p>
@@ -1062,7 +1062,7 @@
           <a:p>
             <a:fld id="{EDBB7085-0CFE-4968-9F0A-509F9696A641}" type="datetimeFigureOut">
               <a:rPr lang="en-GB" smtClean="0"/>
-              <a:t>08/06/2016</a:t>
+              <a:t>09/06/2016</a:t>
             </a:fld>
             <a:endParaRPr lang="en-GB"/>
           </a:p>
@@ -1350,7 +1350,7 @@
           <a:p>
             <a:fld id="{EDBB7085-0CFE-4968-9F0A-509F9696A641}" type="datetimeFigureOut">
               <a:rPr lang="en-GB" smtClean="0"/>
-              <a:t>08/06/2016</a:t>
+              <a:t>09/06/2016</a:t>
             </a:fld>
             <a:endParaRPr lang="en-GB"/>
           </a:p>
@@ -1772,7 +1772,7 @@
           <a:p>
             <a:fld id="{EDBB7085-0CFE-4968-9F0A-509F9696A641}" type="datetimeFigureOut">
               <a:rPr lang="en-GB" smtClean="0"/>
-              <a:t>08/06/2016</a:t>
+              <a:t>09/06/2016</a:t>
             </a:fld>
             <a:endParaRPr lang="en-GB"/>
           </a:p>
@@ -1890,7 +1890,7 @@
           <a:p>
             <a:fld id="{EDBB7085-0CFE-4968-9F0A-509F9696A641}" type="datetimeFigureOut">
               <a:rPr lang="en-GB" smtClean="0"/>
-              <a:t>08/06/2016</a:t>
+              <a:t>09/06/2016</a:t>
             </a:fld>
             <a:endParaRPr lang="en-GB"/>
           </a:p>
@@ -1985,7 +1985,7 @@
           <a:p>
             <a:fld id="{EDBB7085-0CFE-4968-9F0A-509F9696A641}" type="datetimeFigureOut">
               <a:rPr lang="en-GB" smtClean="0"/>
-              <a:t>08/06/2016</a:t>
+              <a:t>09/06/2016</a:t>
             </a:fld>
             <a:endParaRPr lang="en-GB"/>
           </a:p>
@@ -2262,7 +2262,7 @@
           <a:p>
             <a:fld id="{EDBB7085-0CFE-4968-9F0A-509F9696A641}" type="datetimeFigureOut">
               <a:rPr lang="en-GB" smtClean="0"/>
-              <a:t>08/06/2016</a:t>
+              <a:t>09/06/2016</a:t>
             </a:fld>
             <a:endParaRPr lang="en-GB"/>
           </a:p>
@@ -2515,7 +2515,7 @@
           <a:p>
             <a:fld id="{EDBB7085-0CFE-4968-9F0A-509F9696A641}" type="datetimeFigureOut">
               <a:rPr lang="en-GB" smtClean="0"/>
-              <a:t>08/06/2016</a:t>
+              <a:t>09/06/2016</a:t>
             </a:fld>
             <a:endParaRPr lang="en-GB"/>
           </a:p>
@@ -2728,7 +2728,7 @@
           <a:p>
             <a:fld id="{EDBB7085-0CFE-4968-9F0A-509F9696A641}" type="datetimeFigureOut">
               <a:rPr lang="en-GB" smtClean="0"/>
-              <a:t>08/06/2016</a:t>
+              <a:t>09/06/2016</a:t>
             </a:fld>
             <a:endParaRPr lang="en-GB"/>
           </a:p>
@@ -3325,11 +3325,7 @@
             </a:pPr>
             <a:r>
               <a:rPr lang="en-US" dirty="0" smtClean="0"/>
-              <a:t>Add (assuming spring-cloud BOM</a:t>
-            </a:r>
-            <a:r>
-              <a:rPr lang="en-US" dirty="0" smtClean="0"/>
-              <a:t>) to pom.xml:</a:t>
+              <a:t>Add (assuming spring-cloud BOM) to pom.xml:</a:t>
             </a:r>
             <a:r>
               <a:rPr lang="da-DK" dirty="0" smtClean="0"/>
@@ -3639,15 +3635,7 @@
             </a:r>
             <a:r>
               <a:rPr lang="en-US" sz="1400" dirty="0" smtClean="0"/>
-              <a:t>: the name of your app </a:t>
-            </a:r>
-            <a:r>
-              <a:rPr lang="en-US" sz="1400" dirty="0" smtClean="0"/>
-              <a:t>as </a:t>
-            </a:r>
-            <a:r>
-              <a:rPr lang="en-US" sz="1400" dirty="0" smtClean="0"/>
-              <a:t>defined by spring.application.name</a:t>
+              <a:t>: the name of your app as defined by spring.application.name</a:t>
             </a:r>
           </a:p>
           <a:p>
@@ -3818,13 +3806,7 @@
               <a:rPr lang="en-US" sz="1200" dirty="0" smtClean="0">
                 <a:latin typeface="Lucida Console" panose="020B0609040504020204" pitchFamily="49" charset="0"/>
               </a:rPr>
-              <a:t>2016-06-06 </a:t>
-            </a:r>
-            <a:r>
-              <a:rPr lang="en-US" sz="1200" dirty="0" smtClean="0">
-                <a:latin typeface="Lucida Console" panose="020B0609040504020204" pitchFamily="49" charset="0"/>
-              </a:rPr>
-              <a:t>09:27:34.341  INFO [</a:t>
+              <a:t>2016-06-06 09:27:34.341  INFO [</a:t>
             </a:r>
             <a:r>
               <a:rPr lang="en-US" sz="1200" b="1" dirty="0" smtClean="0">
@@ -3891,17 +3873,8 @@
             </a:r>
             <a:r>
               <a:rPr lang="en-US" dirty="0" smtClean="0"/>
-              <a:t>: Graph </a:t>
-            </a:r>
-            <a:r>
-              <a:rPr lang="en-US" dirty="0" smtClean="0"/>
-              <a:t>started by this </a:t>
-            </a:r>
-            <a:r>
-              <a:rPr lang="en-US" dirty="0" smtClean="0"/>
-              <a:t>“invocation”.</a:t>
-            </a:r>
-            <a:endParaRPr lang="en-US" dirty="0" smtClean="0"/>
+              <a:t>: Graph started by this “invocation”.</a:t>
+            </a:r>
           </a:p>
           <a:p>
             <a:pPr lvl="1"/>
@@ -4051,7 +4024,7 @@
             </a:pPr>
             <a:r>
               <a:rPr lang="en-GB" b="1" dirty="0" err="1" smtClean="0"/>
-              <a:t>sluethDemoApp</a:t>
+              <a:t>sleuthDemoApp</a:t>
             </a:r>
             <a:r>
               <a:rPr lang="en-GB" b="1" dirty="0" smtClean="0"/>
@@ -4319,11 +4292,7 @@
             </a:r>
             <a:r>
               <a:rPr lang="en-US" dirty="0" smtClean="0"/>
-              <a:t> - Client Sent - The client has made a request. This annotation depicts the start of the span</a:t>
-            </a:r>
-            <a:r>
-              <a:rPr lang="en-US" dirty="0" smtClean="0"/>
-              <a:t>.</a:t>
+              <a:t> - Client Sent - The client has made a request. This annotation depicts the start of the span.</a:t>
             </a:r>
           </a:p>
           <a:p>
@@ -4344,11 +4313,7 @@
             </a:r>
             <a:r>
               <a:rPr lang="en-US" dirty="0" smtClean="0"/>
-              <a:t> timestamp from this timestamp one will receive the network latency</a:t>
-            </a:r>
-            <a:r>
-              <a:rPr lang="en-US" dirty="0" smtClean="0"/>
-              <a:t>.</a:t>
+              <a:t> timestamp from this timestamp one will receive the network latency.</a:t>
             </a:r>
           </a:p>
           <a:p>
@@ -4369,11 +4334,7 @@
             </a:r>
             <a:r>
               <a:rPr lang="en-US" dirty="0" smtClean="0"/>
-              <a:t> timestamp from this timestamp one will receive the time needed by the server side to process the request</a:t>
-            </a:r>
-            <a:r>
-              <a:rPr lang="en-US" dirty="0" smtClean="0"/>
-              <a:t>.</a:t>
+              <a:t> timestamp from this timestamp one will receive the time needed by the server side to process the request.</a:t>
             </a:r>
           </a:p>
           <a:p>
@@ -4613,11 +4574,7 @@
             </a:r>
             <a:r>
               <a:rPr lang="en-US" dirty="0" smtClean="0"/>
-              <a:t> </a:t>
-            </a:r>
-            <a:r>
-              <a:rPr lang="en-US" dirty="0" smtClean="0"/>
-              <a:t>– aggregation of spans (in-mem, </a:t>
+              <a:t> – aggregation of spans (in-mem, </a:t>
             </a:r>
             <a:r>
               <a:rPr lang="en-US" dirty="0" err="1" smtClean="0"/>
